--- a/Trabalho c115/C115 - Trabalho Final.pptx
+++ b/Trabalho c115/C115 - Trabalho Final.pptx
@@ -8310,8 +8310,8 @@
         </p:nvSpPr>
         <p:spPr>
           <a:xfrm>
-            <a:off x="535775" y="1480150"/>
-            <a:ext cx="8052300" cy="3663300"/>
+            <a:off x="4837175" y="2360250"/>
+            <a:ext cx="3750900" cy="3663300"/>
           </a:xfrm>
           <a:prstGeom prst="rect">
             <a:avLst/>
@@ -8329,6 +8329,40 @@
               </a:lnSpc>
               <a:spcBef>
                 <a:spcPts val="0"/>
+              </a:spcBef>
+              <a:spcAft>
+                <a:spcPts val="0"/>
+              </a:spcAft>
+              <a:buClr>
+                <a:schemeClr val="dk2"/>
+              </a:buClr>
+              <a:buSzPts val="1100"/>
+              <a:buFont typeface="Arial"/>
+              <a:buNone/>
+            </a:pPr>
+            <a:r>
+              <a:rPr b="0" lang="pt-BR" sz="1800">
+                <a:latin typeface="Lato"/>
+                <a:ea typeface="Lato"/>
+                <a:cs typeface="Lato"/>
+                <a:sym typeface="Lato"/>
+              </a:rPr>
+              <a:t>A proposta de produto seria um sistema para realizar o monitoramento de uma secadora de café, de um modelo conhecido como “secador de caixa”.</a:t>
+            </a:r>
+            <a:endParaRPr b="0" sz="1800">
+              <a:latin typeface="Lato"/>
+              <a:ea typeface="Lato"/>
+              <a:cs typeface="Lato"/>
+              <a:sym typeface="Lato"/>
+            </a:endParaRPr>
+          </a:p>
+          <a:p>
+            <a:pPr indent="0" lvl="0" marL="0" rtl="0" algn="l">
+              <a:lnSpc>
+                <a:spcPct val="115000"/>
+              </a:lnSpc>
+              <a:spcBef>
+                <a:spcPts val="1600"/>
               </a:spcBef>
               <a:spcAft>
                 <a:spcPts val="1600"/>
@@ -8363,7 +8397,7 @@
         </p:blipFill>
         <p:spPr>
           <a:xfrm>
-            <a:off x="2109225" y="1799763"/>
+            <a:off x="0" y="1699200"/>
             <a:ext cx="4905375" cy="2905125"/>
           </a:xfrm>
           <a:prstGeom prst="rect">
